--- a/Mushroom Lantern.pptx
+++ b/Mushroom Lantern.pptx
@@ -5,18 +5,19 @@
     <p:sldMasterId id="2147483648" r:id="rId1"/>
   </p:sldMasterIdLst>
   <p:notesMasterIdLst>
-    <p:notesMasterId r:id="rId11"/>
+    <p:notesMasterId r:id="rId12"/>
   </p:notesMasterIdLst>
   <p:sldIdLst>
     <p:sldId id="256" r:id="rId2"/>
-    <p:sldId id="257" r:id="rId3"/>
-    <p:sldId id="258" r:id="rId4"/>
-    <p:sldId id="259" r:id="rId5"/>
-    <p:sldId id="260" r:id="rId6"/>
-    <p:sldId id="261" r:id="rId7"/>
-    <p:sldId id="262" r:id="rId8"/>
-    <p:sldId id="263" r:id="rId9"/>
-    <p:sldId id="264" r:id="rId10"/>
+    <p:sldId id="265" r:id="rId3"/>
+    <p:sldId id="257" r:id="rId4"/>
+    <p:sldId id="258" r:id="rId5"/>
+    <p:sldId id="259" r:id="rId6"/>
+    <p:sldId id="260" r:id="rId7"/>
+    <p:sldId id="261" r:id="rId8"/>
+    <p:sldId id="262" r:id="rId9"/>
+    <p:sldId id="263" r:id="rId10"/>
+    <p:sldId id="264" r:id="rId11"/>
   </p:sldIdLst>
   <p:sldSz cx="9144000" cy="6858000" type="screen4x3"/>
   <p:notesSz cx="6858000" cy="9144000"/>
@@ -115,6 +116,22 @@
       </a:defRPr>
     </a:lvl9pPr>
   </p:defaultTextStyle>
+  <p:extLst>
+    <p:ext uri="{EFAFB233-063F-42B5-8137-9DF3F51BA10A}">
+      <p15:sldGuideLst xmlns:p15="http://schemas.microsoft.com/office/powerpoint/2012/main">
+        <p15:guide id="1" orient="horz" pos="2160">
+          <p15:clr>
+            <a:srgbClr val="A4A3A4"/>
+          </p15:clr>
+        </p15:guide>
+        <p15:guide id="2" pos="2880">
+          <p15:clr>
+            <a:srgbClr val="A4A3A4"/>
+          </p15:clr>
+        </p15:guide>
+      </p15:sldGuideLst>
+    </p:ext>
+  </p:extLst>
 </p:presentation>
 </file>
 
@@ -200,7 +217,7 @@
           <a:p>
             <a:fld id="{B9F19F95-5D5B-48A9-BADB-DA072E6AF467}" type="datetimeFigureOut">
               <a:rPr lang="ko-KR" altLang="en-US" smtClean="0"/>
-              <a:t>2017-11-14</a:t>
+              <a:t>2017-11-15</a:t>
             </a:fld>
             <a:endParaRPr lang="ko-KR" altLang="en-US"/>
           </a:p>
@@ -649,7 +666,7 @@
           <a:p>
             <a:fld id="{79937E7A-F852-4B6C-8D1C-4F24722F0E1B}" type="datetimeFigureOut">
               <a:rPr lang="ko-KR" altLang="en-US" smtClean="0"/>
-              <a:t>2017-11-14</a:t>
+              <a:t>2017-11-15</a:t>
             </a:fld>
             <a:endParaRPr lang="ko-KR" altLang="en-US"/>
           </a:p>
@@ -819,7 +836,7 @@
           <a:p>
             <a:fld id="{79937E7A-F852-4B6C-8D1C-4F24722F0E1B}" type="datetimeFigureOut">
               <a:rPr lang="ko-KR" altLang="en-US" smtClean="0"/>
-              <a:t>2017-11-14</a:t>
+              <a:t>2017-11-15</a:t>
             </a:fld>
             <a:endParaRPr lang="ko-KR" altLang="en-US"/>
           </a:p>
@@ -999,7 +1016,7 @@
           <a:p>
             <a:fld id="{79937E7A-F852-4B6C-8D1C-4F24722F0E1B}" type="datetimeFigureOut">
               <a:rPr lang="ko-KR" altLang="en-US" smtClean="0"/>
-              <a:t>2017-11-14</a:t>
+              <a:t>2017-11-15</a:t>
             </a:fld>
             <a:endParaRPr lang="ko-KR" altLang="en-US"/>
           </a:p>
@@ -1169,7 +1186,7 @@
           <a:p>
             <a:fld id="{79937E7A-F852-4B6C-8D1C-4F24722F0E1B}" type="datetimeFigureOut">
               <a:rPr lang="ko-KR" altLang="en-US" smtClean="0"/>
-              <a:t>2017-11-14</a:t>
+              <a:t>2017-11-15</a:t>
             </a:fld>
             <a:endParaRPr lang="ko-KR" altLang="en-US"/>
           </a:p>
@@ -1415,7 +1432,7 @@
           <a:p>
             <a:fld id="{79937E7A-F852-4B6C-8D1C-4F24722F0E1B}" type="datetimeFigureOut">
               <a:rPr lang="ko-KR" altLang="en-US" smtClean="0"/>
-              <a:t>2017-11-14</a:t>
+              <a:t>2017-11-15</a:t>
             </a:fld>
             <a:endParaRPr lang="ko-KR" altLang="en-US"/>
           </a:p>
@@ -1703,7 +1720,7 @@
           <a:p>
             <a:fld id="{79937E7A-F852-4B6C-8D1C-4F24722F0E1B}" type="datetimeFigureOut">
               <a:rPr lang="ko-KR" altLang="en-US" smtClean="0"/>
-              <a:t>2017-11-14</a:t>
+              <a:t>2017-11-15</a:t>
             </a:fld>
             <a:endParaRPr lang="ko-KR" altLang="en-US"/>
           </a:p>
@@ -2125,7 +2142,7 @@
           <a:p>
             <a:fld id="{79937E7A-F852-4B6C-8D1C-4F24722F0E1B}" type="datetimeFigureOut">
               <a:rPr lang="ko-KR" altLang="en-US" smtClean="0"/>
-              <a:t>2017-11-14</a:t>
+              <a:t>2017-11-15</a:t>
             </a:fld>
             <a:endParaRPr lang="ko-KR" altLang="en-US"/>
           </a:p>
@@ -2243,7 +2260,7 @@
           <a:p>
             <a:fld id="{79937E7A-F852-4B6C-8D1C-4F24722F0E1B}" type="datetimeFigureOut">
               <a:rPr lang="ko-KR" altLang="en-US" smtClean="0"/>
-              <a:t>2017-11-14</a:t>
+              <a:t>2017-11-15</a:t>
             </a:fld>
             <a:endParaRPr lang="ko-KR" altLang="en-US"/>
           </a:p>
@@ -2338,7 +2355,7 @@
           <a:p>
             <a:fld id="{79937E7A-F852-4B6C-8D1C-4F24722F0E1B}" type="datetimeFigureOut">
               <a:rPr lang="ko-KR" altLang="en-US" smtClean="0"/>
-              <a:t>2017-11-14</a:t>
+              <a:t>2017-11-15</a:t>
             </a:fld>
             <a:endParaRPr lang="ko-KR" altLang="en-US"/>
           </a:p>
@@ -2615,7 +2632,7 @@
           <a:p>
             <a:fld id="{79937E7A-F852-4B6C-8D1C-4F24722F0E1B}" type="datetimeFigureOut">
               <a:rPr lang="ko-KR" altLang="en-US" smtClean="0"/>
-              <a:t>2017-11-14</a:t>
+              <a:t>2017-11-15</a:t>
             </a:fld>
             <a:endParaRPr lang="ko-KR" altLang="en-US"/>
           </a:p>
@@ -2868,7 +2885,7 @@
           <a:p>
             <a:fld id="{79937E7A-F852-4B6C-8D1C-4F24722F0E1B}" type="datetimeFigureOut">
               <a:rPr lang="ko-KR" altLang="en-US" smtClean="0"/>
-              <a:t>2017-11-14</a:t>
+              <a:t>2017-11-15</a:t>
             </a:fld>
             <a:endParaRPr lang="ko-KR" altLang="en-US"/>
           </a:p>
@@ -3081,7 +3098,7 @@
           <a:p>
             <a:fld id="{79937E7A-F852-4B6C-8D1C-4F24722F0E1B}" type="datetimeFigureOut">
               <a:rPr lang="ko-KR" altLang="en-US" smtClean="0"/>
-              <a:t>2017-11-14</a:t>
+              <a:t>2017-11-15</a:t>
             </a:fld>
             <a:endParaRPr lang="ko-KR" altLang="en-US"/>
           </a:p>
@@ -3478,7 +3495,7 @@
                 <a14:imgProps xmlns:a14="http://schemas.microsoft.com/office/drawing/2010/main">
                   <a14:imgLayer r:embed="rId3">
                     <a14:imgEffect>
-                      <a14:sharpenSoften amount="50000"/>
+                      <a14:sharpenSoften amount="-7000"/>
                     </a14:imgEffect>
                   </a14:imgLayer>
                 </a14:imgProps>
@@ -3517,8 +3534,8 @@
         </p:nvSpPr>
         <p:spPr>
           <a:xfrm>
-            <a:off x="4355976" y="836712"/>
-            <a:ext cx="3672408" cy="369332"/>
+            <a:off x="3347864" y="1196752"/>
+            <a:ext cx="5544616" cy="861774"/>
           </a:xfrm>
           <a:prstGeom prst="rect">
             <a:avLst/>
@@ -3532,10 +3549,36 @@
           <a:lstStyle/>
           <a:p>
             <a:r>
-              <a:rPr lang="en-US" altLang="ko-KR" dirty="0" smtClean="0"/>
+              <a:rPr lang="en-US" altLang="ko-KR" sz="5000" dirty="0" smtClean="0">
+                <a:solidFill>
+                  <a:schemeClr val="bg1"/>
+                </a:solidFill>
+                <a:effectLst>
+                  <a:outerShdw blurRad="38100" dist="38100" dir="2700000" algn="tl">
+                    <a:srgbClr val="000000">
+                      <a:alpha val="43137"/>
+                    </a:srgbClr>
+                  </a:outerShdw>
+                </a:effectLst>
+                <a:latin typeface="아리따-돋움(TTF)-Bold" panose="02020603020101020101" pitchFamily="18" charset="-127"/>
+                <a:ea typeface="아리따-돋움(TTF)-Bold" panose="02020603020101020101" pitchFamily="18" charset="-127"/>
+              </a:rPr>
               <a:t>Mushroom Lantern</a:t>
             </a:r>
-            <a:endParaRPr lang="ko-KR" altLang="en-US" dirty="0"/>
+            <a:endParaRPr lang="ko-KR" altLang="en-US" sz="5000" dirty="0">
+              <a:solidFill>
+                <a:schemeClr val="bg1"/>
+              </a:solidFill>
+              <a:effectLst>
+                <a:outerShdw blurRad="38100" dist="38100" dir="2700000" algn="tl">
+                  <a:srgbClr val="000000">
+                    <a:alpha val="43137"/>
+                  </a:srgbClr>
+                </a:outerShdw>
+              </a:effectLst>
+              <a:latin typeface="아리따-돋움(TTF)-Bold" panose="02020603020101020101" pitchFamily="18" charset="-127"/>
+              <a:ea typeface="아리따-돋움(TTF)-Bold" panose="02020603020101020101" pitchFamily="18" charset="-127"/>
+            </a:endParaRPr>
           </a:p>
         </p:txBody>
       </p:sp>
@@ -3543,6 +3586,65 @@
     <p:extLst>
       <p:ext uri="{BB962C8B-B14F-4D97-AF65-F5344CB8AC3E}">
         <p14:creationId xmlns:p14="http://schemas.microsoft.com/office/powerpoint/2010/main" val="653795514"/>
+      </p:ext>
+    </p:extLst>
+  </p:cSld>
+  <p:clrMapOvr>
+    <a:masterClrMapping/>
+  </p:clrMapOvr>
+</p:sld>
+</file>
+
+<file path=ppt/slides/slide10.xml><?xml version="1.0" encoding="utf-8"?>
+<p:sld xmlns:a="http://schemas.openxmlformats.org/drawingml/2006/main" xmlns:r="http://schemas.openxmlformats.org/officeDocument/2006/relationships" xmlns:p="http://schemas.openxmlformats.org/presentationml/2006/main">
+  <p:cSld>
+    <p:spTree>
+      <p:nvGrpSpPr>
+        <p:cNvPr id="1" name=""/>
+        <p:cNvGrpSpPr/>
+        <p:nvPr/>
+      </p:nvGrpSpPr>
+      <p:grpSpPr>
+        <a:xfrm>
+          <a:off x="0" y="0"/>
+          <a:ext cx="0" cy="0"/>
+          <a:chOff x="0" y="0"/>
+          <a:chExt cx="0" cy="0"/>
+        </a:xfrm>
+      </p:grpSpPr>
+      <p:sp>
+        <p:nvSpPr>
+          <p:cNvPr id="2" name="TextBox 1"/>
+          <p:cNvSpPr txBox="1"/>
+          <p:nvPr/>
+        </p:nvSpPr>
+        <p:spPr>
+          <a:xfrm>
+            <a:off x="2339752" y="1700808"/>
+            <a:ext cx="5688632" cy="369332"/>
+          </a:xfrm>
+          <a:prstGeom prst="rect">
+            <a:avLst/>
+          </a:prstGeom>
+          <a:noFill/>
+        </p:spPr>
+        <p:txBody>
+          <a:bodyPr wrap="square" rtlCol="0">
+            <a:spAutoFit/>
+          </a:bodyPr>
+          <a:lstStyle/>
+          <a:p>
+            <a:r>
+              <a:rPr lang="en-US" altLang="ko-KR" dirty="0" smtClean="0"/>
+              <a:t>Thanks</a:t>
+            </a:r>
+          </a:p>
+        </p:txBody>
+      </p:sp>
+    </p:spTree>
+    <p:extLst>
+      <p:ext uri="{BB962C8B-B14F-4D97-AF65-F5344CB8AC3E}">
+        <p14:creationId xmlns:p14="http://schemas.microsoft.com/office/powerpoint/2010/main" val="3007592178"/>
       </p:ext>
     </p:extLst>
   </p:cSld>
@@ -3666,7 +3768,7 @@
         <p:spPr>
           <a:xfrm>
             <a:off x="1187624" y="764704"/>
-            <a:ext cx="8712968" cy="369332"/>
+            <a:ext cx="8712968" cy="707886"/>
           </a:xfrm>
           <a:prstGeom prst="rect">
             <a:avLst/>
@@ -3680,10 +3782,22 @@
           <a:lstStyle/>
           <a:p>
             <a:r>
-              <a:rPr lang="ko-KR" altLang="en-US" dirty="0" smtClean="0"/>
-              <a:t>우리가 만들 것</a:t>
-            </a:r>
-            <a:endParaRPr lang="en-US" altLang="ko-KR" dirty="0" smtClean="0"/>
+              <a:rPr lang="ko-KR" altLang="en-US" sz="4000" dirty="0" smtClean="0">
+                <a:solidFill>
+                  <a:schemeClr val="accent4"/>
+                </a:solidFill>
+                <a:latin typeface="아리따-돋움(TTF)-Bold" panose="02020603020101020101" pitchFamily="18" charset="-127"/>
+                <a:ea typeface="아리따-돋움(TTF)-Bold" panose="02020603020101020101" pitchFamily="18" charset="-127"/>
+              </a:rPr>
+              <a:t>목차</a:t>
+            </a:r>
+            <a:endParaRPr lang="en-US" altLang="ko-KR" sz="4000" dirty="0" smtClean="0">
+              <a:solidFill>
+                <a:schemeClr val="accent4"/>
+              </a:solidFill>
+              <a:latin typeface="아리따-돋움(TTF)-Bold" panose="02020603020101020101" pitchFamily="18" charset="-127"/>
+              <a:ea typeface="아리따-돋움(TTF)-Bold" panose="02020603020101020101" pitchFamily="18" charset="-127"/>
+            </a:endParaRPr>
           </a:p>
         </p:txBody>
       </p:sp>
@@ -3695,8 +3809,8 @@
         </p:nvSpPr>
         <p:spPr>
           <a:xfrm>
-            <a:off x="1763688" y="2564904"/>
-            <a:ext cx="4176464" cy="369332"/>
+            <a:off x="1691680" y="2036311"/>
+            <a:ext cx="4176464" cy="2785378"/>
           </a:xfrm>
           <a:prstGeom prst="rect">
             <a:avLst/>
@@ -3710,17 +3824,112 @@
           <a:lstStyle/>
           <a:p>
             <a:r>
-              <a:rPr lang="ko-KR" altLang="en-US" dirty="0" smtClean="0"/>
-              <a:t>버섯</a:t>
-            </a:r>
-            <a:endParaRPr lang="ko-KR" altLang="en-US" dirty="0"/>
+              <a:rPr lang="en-US" altLang="ko-KR" sz="3500" dirty="0" smtClean="0">
+                <a:solidFill>
+                  <a:schemeClr val="accent4"/>
+                </a:solidFill>
+                <a:latin typeface="Arial Black" panose="020B0A04020102020204" pitchFamily="34" charset="0"/>
+              </a:rPr>
+              <a:t>1. </a:t>
+            </a:r>
+            <a:r>
+              <a:rPr lang="ko-KR" altLang="en-US" sz="3500" dirty="0" smtClean="0">
+                <a:solidFill>
+                  <a:schemeClr val="accent4"/>
+                </a:solidFill>
+                <a:latin typeface="아리따-돋움(TTF)-Bold" panose="02020603020101020101" pitchFamily="18" charset="-127"/>
+                <a:ea typeface="아리따-돋움(TTF)-Bold" panose="02020603020101020101" pitchFamily="18" charset="-127"/>
+              </a:rPr>
+              <a:t>우리가 만들 것</a:t>
+            </a:r>
+            <a:endParaRPr lang="en-US" altLang="ko-KR" sz="3500" dirty="0" smtClean="0">
+              <a:solidFill>
+                <a:schemeClr val="accent4"/>
+              </a:solidFill>
+              <a:latin typeface="아리따-돋움(TTF)-Bold" panose="02020603020101020101" pitchFamily="18" charset="-127"/>
+              <a:ea typeface="아리따-돋움(TTF)-Bold" panose="02020603020101020101" pitchFamily="18" charset="-127"/>
+            </a:endParaRPr>
+          </a:p>
+          <a:p>
+            <a:endParaRPr lang="en-US" altLang="ko-KR" sz="3500" dirty="0" smtClean="0">
+              <a:solidFill>
+                <a:schemeClr val="accent4"/>
+              </a:solidFill>
+              <a:latin typeface="아리따-돋움(TTF)-Bold" panose="02020603020101020101" pitchFamily="18" charset="-127"/>
+              <a:ea typeface="아리따-돋움(TTF)-Bold" panose="02020603020101020101" pitchFamily="18" charset="-127"/>
+            </a:endParaRPr>
+          </a:p>
+          <a:p>
+            <a:r>
+              <a:rPr lang="en-US" altLang="ko-KR" sz="3500" dirty="0" smtClean="0">
+                <a:solidFill>
+                  <a:schemeClr val="accent4"/>
+                </a:solidFill>
+                <a:latin typeface="Arial Black" panose="020B0A04020102020204" pitchFamily="34" charset="0"/>
+              </a:rPr>
+              <a:t>2. </a:t>
+            </a:r>
+            <a:r>
+              <a:rPr lang="ko-KR" altLang="en-US" sz="3500" dirty="0" smtClean="0">
+                <a:solidFill>
+                  <a:schemeClr val="accent4"/>
+                </a:solidFill>
+                <a:latin typeface="아리따-돋움(TTF)-Bold" panose="02020603020101020101" pitchFamily="18" charset="-127"/>
+                <a:ea typeface="아리따-돋움(TTF)-Bold" panose="02020603020101020101" pitchFamily="18" charset="-127"/>
+              </a:rPr>
+              <a:t>제작 방법</a:t>
+            </a:r>
+            <a:endParaRPr lang="en-US" altLang="ko-KR" sz="3500" dirty="0" smtClean="0">
+              <a:solidFill>
+                <a:schemeClr val="accent4"/>
+              </a:solidFill>
+              <a:latin typeface="아리따-돋움(TTF)-Bold" panose="02020603020101020101" pitchFamily="18" charset="-127"/>
+              <a:ea typeface="아리따-돋움(TTF)-Bold" panose="02020603020101020101" pitchFamily="18" charset="-127"/>
+            </a:endParaRPr>
+          </a:p>
+          <a:p>
+            <a:endParaRPr lang="en-US" altLang="ko-KR" sz="3500" dirty="0" smtClean="0">
+              <a:solidFill>
+                <a:schemeClr val="accent4"/>
+              </a:solidFill>
+              <a:latin typeface="아리따-돋움(TTF)-Bold" panose="02020603020101020101" pitchFamily="18" charset="-127"/>
+              <a:ea typeface="아리따-돋움(TTF)-Bold" panose="02020603020101020101" pitchFamily="18" charset="-127"/>
+            </a:endParaRPr>
+          </a:p>
+          <a:p>
+            <a:r>
+              <a:rPr lang="en-US" altLang="ko-KR" sz="3500" dirty="0" smtClean="0">
+                <a:solidFill>
+                  <a:schemeClr val="accent4"/>
+                </a:solidFill>
+                <a:latin typeface="Arial Black" panose="020B0A04020102020204" pitchFamily="34" charset="0"/>
+              </a:rPr>
+              <a:t>3. </a:t>
+            </a:r>
+            <a:r>
+              <a:rPr lang="ko-KR" altLang="en-US" sz="3500" dirty="0" smtClean="0">
+                <a:solidFill>
+                  <a:schemeClr val="accent4"/>
+                </a:solidFill>
+                <a:latin typeface="아리따-돋움(TTF)-Bold" panose="02020603020101020101" pitchFamily="18" charset="-127"/>
+                <a:ea typeface="아리따-돋움(TTF)-Bold" panose="02020603020101020101" pitchFamily="18" charset="-127"/>
+              </a:rPr>
+              <a:t>버전</a:t>
+            </a:r>
+            <a:endParaRPr lang="ko-KR" altLang="en-US" sz="3500" dirty="0">
+              <a:solidFill>
+                <a:schemeClr val="accent4"/>
+              </a:solidFill>
+              <a:latin typeface="아리따-돋움(TTF)-Bold" panose="02020603020101020101" pitchFamily="18" charset="-127"/>
+              <a:ea typeface="아리따-돋움(TTF)-Bold" panose="02020603020101020101" pitchFamily="18" charset="-127"/>
+            </a:endParaRPr>
           </a:p>
         </p:txBody>
       </p:sp>
     </p:spTree>
     <p:extLst>
       <p:ext uri="{BB962C8B-B14F-4D97-AF65-F5344CB8AC3E}">
-        <p14:creationId xmlns:p14="http://schemas.microsoft.com/office/powerpoint/2010/main" val="3007592178"/>
+        <p14:creationId xmlns:p14="http://schemas.microsoft.com/office/powerpoint/2010/main" val="32315181"/>
       </p:ext>
     </p:extLst>
   </p:cSld>
@@ -3749,14 +3958,102 @@
       </p:grpSpPr>
       <p:sp>
         <p:nvSpPr>
-          <p:cNvPr id="2" name="TextBox 1"/>
+          <p:cNvPr id="2" name="직사각형 1"/>
+          <p:cNvSpPr/>
+          <p:nvPr/>
+        </p:nvSpPr>
+        <p:spPr>
+          <a:xfrm>
+            <a:off x="0" y="0"/>
+            <a:ext cx="9144000" cy="6858000"/>
+          </a:xfrm>
+          <a:prstGeom prst="rect">
+            <a:avLst/>
+          </a:prstGeom>
+        </p:spPr>
+        <p:style>
+          <a:lnRef idx="2">
+            <a:schemeClr val="accent4">
+              <a:shade val="50000"/>
+            </a:schemeClr>
+          </a:lnRef>
+          <a:fillRef idx="1">
+            <a:schemeClr val="accent4"/>
+          </a:fillRef>
+          <a:effectRef idx="0">
+            <a:schemeClr val="accent4"/>
+          </a:effectRef>
+          <a:fontRef idx="minor">
+            <a:schemeClr val="lt1"/>
+          </a:fontRef>
+        </p:style>
+        <p:txBody>
+          <a:bodyPr rtlCol="0" anchor="ctr"/>
+          <a:lstStyle/>
+          <a:p>
+            <a:pPr algn="ctr"/>
+            <a:endParaRPr lang="ko-KR" altLang="en-US"/>
+          </a:p>
+        </p:txBody>
+      </p:sp>
+      <p:sp>
+        <p:nvSpPr>
+          <p:cNvPr id="4" name="직사각형 3"/>
+          <p:cNvSpPr/>
+          <p:nvPr/>
+        </p:nvSpPr>
+        <p:spPr>
+          <a:xfrm>
+            <a:off x="179512" y="188640"/>
+            <a:ext cx="8784976" cy="6480720"/>
+          </a:xfrm>
+          <a:prstGeom prst="rect">
+            <a:avLst/>
+          </a:prstGeom>
+          <a:solidFill>
+            <a:schemeClr val="bg1"/>
+          </a:solidFill>
+          <a:ln>
+            <a:solidFill>
+              <a:schemeClr val="bg1"/>
+            </a:solidFill>
+          </a:ln>
+        </p:spPr>
+        <p:style>
+          <a:lnRef idx="2">
+            <a:schemeClr val="accent1">
+              <a:shade val="50000"/>
+            </a:schemeClr>
+          </a:lnRef>
+          <a:fillRef idx="1">
+            <a:schemeClr val="accent1"/>
+          </a:fillRef>
+          <a:effectRef idx="0">
+            <a:schemeClr val="accent1"/>
+          </a:effectRef>
+          <a:fontRef idx="minor">
+            <a:schemeClr val="lt1"/>
+          </a:fontRef>
+        </p:style>
+        <p:txBody>
+          <a:bodyPr rtlCol="0" anchor="ctr"/>
+          <a:lstStyle/>
+          <a:p>
+            <a:pPr algn="ctr"/>
+            <a:endParaRPr lang="ko-KR" altLang="en-US"/>
+          </a:p>
+        </p:txBody>
+      </p:sp>
+      <p:sp>
+        <p:nvSpPr>
+          <p:cNvPr id="3" name="TextBox 2"/>
           <p:cNvSpPr txBox="1"/>
           <p:nvPr/>
         </p:nvSpPr>
         <p:spPr>
           <a:xfrm>
-            <a:off x="683568" y="764704"/>
-            <a:ext cx="5400600" cy="369332"/>
+            <a:off x="1187624" y="764704"/>
+            <a:ext cx="8712968" cy="369332"/>
           </a:xfrm>
           <a:prstGeom prst="rect">
             <a:avLst/>
@@ -3771,22 +4068,22 @@
           <a:p>
             <a:r>
               <a:rPr lang="ko-KR" altLang="en-US" dirty="0" smtClean="0"/>
-              <a:t>제작 방식</a:t>
-            </a:r>
-            <a:endParaRPr lang="ko-KR" altLang="en-US" dirty="0"/>
-          </a:p>
-        </p:txBody>
-      </p:sp>
-      <p:sp>
-        <p:nvSpPr>
-          <p:cNvPr id="4" name="TextBox 3"/>
+              <a:t>우리가 만들 것</a:t>
+            </a:r>
+            <a:endParaRPr lang="en-US" altLang="ko-KR" dirty="0" smtClean="0"/>
+          </a:p>
+        </p:txBody>
+      </p:sp>
+      <p:sp>
+        <p:nvSpPr>
+          <p:cNvPr id="5" name="TextBox 4"/>
           <p:cNvSpPr txBox="1"/>
           <p:nvPr/>
         </p:nvSpPr>
         <p:spPr>
           <a:xfrm>
-            <a:off x="1115616" y="1567756"/>
-            <a:ext cx="6264696" cy="2308324"/>
+            <a:off x="1763688" y="2564904"/>
+            <a:ext cx="4176464" cy="369332"/>
           </a:xfrm>
           <a:prstGeom prst="rect">
             <a:avLst/>
@@ -3801,81 +4098,47 @@
           <a:p>
             <a:r>
               <a:rPr lang="ko-KR" altLang="en-US" dirty="0" smtClean="0"/>
-              <a:t>역할 분담</a:t>
-            </a:r>
-            <a:endParaRPr lang="en-US" altLang="ko-KR" dirty="0" smtClean="0"/>
-          </a:p>
-          <a:p>
-            <a:endParaRPr lang="en-US" altLang="ko-KR" dirty="0" smtClean="0"/>
-          </a:p>
-          <a:p>
-            <a:r>
-              <a:rPr lang="ko-KR" altLang="en-US" dirty="0" smtClean="0"/>
-              <a:t>강성현 </a:t>
-            </a:r>
-            <a:r>
-              <a:rPr lang="en-US" altLang="ko-KR" dirty="0" smtClean="0"/>
-              <a:t>– </a:t>
-            </a:r>
-            <a:r>
-              <a:rPr lang="ko-KR" altLang="en-US" dirty="0" smtClean="0"/>
-              <a:t>틀 제작</a:t>
-            </a:r>
-            <a:endParaRPr lang="en-US" altLang="ko-KR" dirty="0"/>
-          </a:p>
-          <a:p>
-            <a:r>
-              <a:rPr lang="ko-KR" altLang="en-US" dirty="0" smtClean="0"/>
-              <a:t>곽진욱 </a:t>
-            </a:r>
-            <a:r>
-              <a:rPr lang="en-US" altLang="ko-KR" dirty="0" smtClean="0"/>
-              <a:t>– </a:t>
-            </a:r>
-            <a:r>
-              <a:rPr lang="ko-KR" altLang="en-US" dirty="0" smtClean="0"/>
-              <a:t>소프트웨어 제작</a:t>
-            </a:r>
-            <a:endParaRPr lang="en-US" altLang="ko-KR" dirty="0" smtClean="0"/>
-          </a:p>
-          <a:p>
-            <a:r>
-              <a:rPr lang="ko-KR" altLang="en-US" dirty="0" smtClean="0"/>
-              <a:t>권수형 </a:t>
-            </a:r>
-            <a:r>
-              <a:rPr lang="en-US" altLang="ko-KR" dirty="0" smtClean="0"/>
-              <a:t>– </a:t>
-            </a:r>
-            <a:r>
-              <a:rPr lang="ko-KR" altLang="en-US" dirty="0" smtClean="0"/>
-              <a:t>틀 제작</a:t>
-            </a:r>
-            <a:endParaRPr lang="en-US" altLang="ko-KR" dirty="0" smtClean="0"/>
-          </a:p>
-          <a:p>
-            <a:r>
-              <a:rPr lang="ko-KR" altLang="en-US" dirty="0" smtClean="0"/>
-              <a:t>김경수 </a:t>
-            </a:r>
-            <a:r>
-              <a:rPr lang="en-US" altLang="ko-KR" dirty="0" smtClean="0"/>
-              <a:t>– </a:t>
-            </a:r>
-            <a:r>
-              <a:rPr lang="ko-KR" altLang="en-US" dirty="0" smtClean="0"/>
-              <a:t>소프트웨어 제작</a:t>
-            </a:r>
-            <a:endParaRPr lang="en-US" altLang="ko-KR" dirty="0" smtClean="0"/>
-          </a:p>
-          <a:p>
-            <a:endParaRPr lang="en-US" altLang="ko-KR" dirty="0" smtClean="0"/>
-          </a:p>
-          <a:p>
-            <a:endParaRPr lang="en-US" altLang="ko-KR" dirty="0"/>
-          </a:p>
-        </p:txBody>
-      </p:sp>
+              <a:t>버섯</a:t>
+            </a:r>
+            <a:endParaRPr lang="ko-KR" altLang="en-US" dirty="0"/>
+          </a:p>
+        </p:txBody>
+      </p:sp>
+      <p:pic>
+        <p:nvPicPr>
+          <p:cNvPr id="7" name="그림 6"/>
+          <p:cNvPicPr>
+            <a:picLocks noChangeAspect="1"/>
+          </p:cNvPicPr>
+          <p:nvPr/>
+        </p:nvPicPr>
+        <p:blipFill>
+          <a:blip r:embed="rId2">
+            <a:extLst>
+              <a:ext uri="{28A0092B-C50C-407E-A947-70E740481C1C}">
+                <a14:useLocalDpi xmlns:a14="http://schemas.microsoft.com/office/drawing/2010/main" val="0"/>
+              </a:ext>
+            </a:extLst>
+          </a:blip>
+          <a:stretch>
+            <a:fillRect/>
+          </a:stretch>
+        </p:blipFill>
+        <p:spPr>
+          <a:xfrm>
+            <a:off x="2843808" y="1782037"/>
+            <a:ext cx="5767784" cy="4239321"/>
+          </a:xfrm>
+          <a:prstGeom prst="rect">
+            <a:avLst/>
+          </a:prstGeom>
+          <a:ln w="25400">
+            <a:solidFill>
+              <a:srgbClr val="7030A0"/>
+            </a:solidFill>
+          </a:ln>
+        </p:spPr>
+      </p:pic>
     </p:spTree>
     <p:extLst>
       <p:ext uri="{BB962C8B-B14F-4D97-AF65-F5344CB8AC3E}">
@@ -3914,8 +4177,8 @@
         </p:nvSpPr>
         <p:spPr>
           <a:xfrm>
-            <a:off x="467544" y="620688"/>
-            <a:ext cx="5976664" cy="369332"/>
+            <a:off x="683568" y="764704"/>
+            <a:ext cx="5400600" cy="369332"/>
           </a:xfrm>
           <a:prstGeom prst="rect">
             <a:avLst/>
@@ -3929,12 +4192,8 @@
           <a:lstStyle/>
           <a:p>
             <a:r>
-              <a:rPr lang="en-US" altLang="ko-KR" dirty="0" smtClean="0"/>
-              <a:t>1. </a:t>
-            </a:r>
-            <a:r>
               <a:rPr lang="ko-KR" altLang="en-US" dirty="0" smtClean="0"/>
-              <a:t>겉 제작</a:t>
+              <a:t>제작 방식</a:t>
             </a:r>
             <a:endParaRPr lang="ko-KR" altLang="en-US" dirty="0"/>
           </a:p>
@@ -3942,14 +4201,14 @@
       </p:sp>
       <p:sp>
         <p:nvSpPr>
-          <p:cNvPr id="3" name="TextBox 2"/>
+          <p:cNvPr id="4" name="TextBox 3"/>
           <p:cNvSpPr txBox="1"/>
           <p:nvPr/>
         </p:nvSpPr>
         <p:spPr>
           <a:xfrm>
-            <a:off x="1907704" y="2276872"/>
-            <a:ext cx="4176464" cy="646331"/>
+            <a:off x="1115616" y="1567756"/>
+            <a:ext cx="6264696" cy="2308324"/>
           </a:xfrm>
           <a:prstGeom prst="rect">
             <a:avLst/>
@@ -3964,19 +4223,78 @@
           <a:p>
             <a:r>
               <a:rPr lang="ko-KR" altLang="en-US" dirty="0" smtClean="0"/>
-              <a:t>재료는 무엇인지</a:t>
+              <a:t>역할 분담</a:t>
+            </a:r>
+            <a:endParaRPr lang="en-US" altLang="ko-KR" dirty="0" smtClean="0"/>
+          </a:p>
+          <a:p>
+            <a:endParaRPr lang="en-US" altLang="ko-KR" dirty="0" smtClean="0"/>
+          </a:p>
+          <a:p>
+            <a:r>
+              <a:rPr lang="ko-KR" altLang="en-US" dirty="0" smtClean="0"/>
+              <a:t>강성현 </a:t>
             </a:r>
             <a:r>
               <a:rPr lang="en-US" altLang="ko-KR" dirty="0" smtClean="0"/>
-              <a:t>?</a:t>
-            </a:r>
-          </a:p>
-          <a:p>
+              <a:t>– </a:t>
+            </a:r>
             <a:r>
               <a:rPr lang="ko-KR" altLang="en-US" dirty="0" smtClean="0"/>
-              <a:t>어떤 형태로 만들 것인지 그림으로</a:t>
-            </a:r>
-            <a:endParaRPr lang="ko-KR" altLang="en-US" dirty="0"/>
+              <a:t>틀 제작</a:t>
+            </a:r>
+            <a:endParaRPr lang="en-US" altLang="ko-KR" dirty="0"/>
+          </a:p>
+          <a:p>
+            <a:r>
+              <a:rPr lang="ko-KR" altLang="en-US" dirty="0" smtClean="0"/>
+              <a:t>곽진욱 </a:t>
+            </a:r>
+            <a:r>
+              <a:rPr lang="en-US" altLang="ko-KR" dirty="0" smtClean="0"/>
+              <a:t>– </a:t>
+            </a:r>
+            <a:r>
+              <a:rPr lang="ko-KR" altLang="en-US" dirty="0" smtClean="0"/>
+              <a:t>소프트웨어 제작</a:t>
+            </a:r>
+            <a:endParaRPr lang="en-US" altLang="ko-KR" dirty="0" smtClean="0"/>
+          </a:p>
+          <a:p>
+            <a:r>
+              <a:rPr lang="ko-KR" altLang="en-US" dirty="0" smtClean="0"/>
+              <a:t>권수형 </a:t>
+            </a:r>
+            <a:r>
+              <a:rPr lang="en-US" altLang="ko-KR" dirty="0" smtClean="0"/>
+              <a:t>– </a:t>
+            </a:r>
+            <a:r>
+              <a:rPr lang="ko-KR" altLang="en-US" dirty="0" smtClean="0"/>
+              <a:t>틀 제작</a:t>
+            </a:r>
+            <a:endParaRPr lang="en-US" altLang="ko-KR" dirty="0" smtClean="0"/>
+          </a:p>
+          <a:p>
+            <a:r>
+              <a:rPr lang="ko-KR" altLang="en-US" dirty="0" smtClean="0"/>
+              <a:t>김경수 </a:t>
+            </a:r>
+            <a:r>
+              <a:rPr lang="en-US" altLang="ko-KR" dirty="0" smtClean="0"/>
+              <a:t>– </a:t>
+            </a:r>
+            <a:r>
+              <a:rPr lang="ko-KR" altLang="en-US" dirty="0" smtClean="0"/>
+              <a:t>소프트웨어 제작</a:t>
+            </a:r>
+            <a:endParaRPr lang="en-US" altLang="ko-KR" dirty="0" smtClean="0"/>
+          </a:p>
+          <a:p>
+            <a:endParaRPr lang="en-US" altLang="ko-KR" dirty="0" smtClean="0"/>
+          </a:p>
+          <a:p>
+            <a:endParaRPr lang="en-US" altLang="ko-KR" dirty="0"/>
           </a:p>
         </p:txBody>
       </p:sp>
@@ -4012,14 +4330,14 @@
       </p:grpSpPr>
       <p:sp>
         <p:nvSpPr>
-          <p:cNvPr id="3" name="TextBox 2"/>
+          <p:cNvPr id="2" name="TextBox 1"/>
           <p:cNvSpPr txBox="1"/>
           <p:nvPr/>
         </p:nvSpPr>
         <p:spPr>
           <a:xfrm>
-            <a:off x="1043608" y="692696"/>
-            <a:ext cx="2448272" cy="369332"/>
+            <a:off x="467544" y="620688"/>
+            <a:ext cx="5976664" cy="369332"/>
           </a:xfrm>
           <a:prstGeom prst="rect">
             <a:avLst/>
@@ -4034,26 +4352,26 @@
           <a:p>
             <a:r>
               <a:rPr lang="en-US" altLang="ko-KR" dirty="0" smtClean="0"/>
-              <a:t>2. </a:t>
+              <a:t>1. </a:t>
             </a:r>
             <a:r>
               <a:rPr lang="ko-KR" altLang="en-US" dirty="0" smtClean="0"/>
-              <a:t>소프트웨어 제작</a:t>
-            </a:r>
-            <a:endParaRPr lang="en-US" altLang="ko-KR" dirty="0" smtClean="0"/>
-          </a:p>
-        </p:txBody>
-      </p:sp>
-      <p:sp>
-        <p:nvSpPr>
-          <p:cNvPr id="4" name="TextBox 3"/>
+              <a:t>겉 제작</a:t>
+            </a:r>
+            <a:endParaRPr lang="ko-KR" altLang="en-US" dirty="0"/>
+          </a:p>
+        </p:txBody>
+      </p:sp>
+      <p:sp>
+        <p:nvSpPr>
+          <p:cNvPr id="3" name="TextBox 2"/>
           <p:cNvSpPr txBox="1"/>
           <p:nvPr/>
         </p:nvSpPr>
         <p:spPr>
           <a:xfrm>
-            <a:off x="899592" y="1700808"/>
-            <a:ext cx="3816424" cy="646331"/>
+            <a:off x="1907704" y="2276872"/>
+            <a:ext cx="4176464" cy="646331"/>
           </a:xfrm>
           <a:prstGeom prst="rect">
             <a:avLst/>
@@ -4067,20 +4385,18 @@
           <a:lstStyle/>
           <a:p>
             <a:r>
-              <a:rPr lang="ko-KR" altLang="en-US" dirty="0" err="1" smtClean="0"/>
-              <a:t>앱</a:t>
-            </a:r>
-            <a:r>
               <a:rPr lang="ko-KR" altLang="en-US" dirty="0" smtClean="0"/>
-              <a:t> 하고 </a:t>
-            </a:r>
-            <a:r>
-              <a:rPr lang="ko-KR" altLang="en-US" dirty="0" err="1" smtClean="0"/>
-              <a:t>앱에서</a:t>
-            </a:r>
+              <a:t>재료는 무엇인지</a:t>
+            </a:r>
+            <a:r>
+              <a:rPr lang="en-US" altLang="ko-KR" dirty="0" smtClean="0"/>
+              <a:t>?</a:t>
+            </a:r>
+          </a:p>
+          <a:p>
             <a:r>
               <a:rPr lang="ko-KR" altLang="en-US" dirty="0" smtClean="0"/>
-              <a:t> 불빛의 색을 바꿀 수 있다는 것을 표현</a:t>
+              <a:t>어떤 형태로 만들 것인지 그림으로</a:t>
             </a:r>
             <a:endParaRPr lang="ko-KR" altLang="en-US" dirty="0"/>
           </a:p>
@@ -4118,14 +4434,14 @@
       </p:grpSpPr>
       <p:sp>
         <p:nvSpPr>
-          <p:cNvPr id="2" name="TextBox 1"/>
+          <p:cNvPr id="3" name="TextBox 2"/>
           <p:cNvSpPr txBox="1"/>
           <p:nvPr/>
         </p:nvSpPr>
         <p:spPr>
           <a:xfrm>
-            <a:off x="2411760" y="1484784"/>
-            <a:ext cx="4176464" cy="369332"/>
+            <a:off x="1043608" y="692696"/>
+            <a:ext cx="2448272" cy="369332"/>
           </a:xfrm>
           <a:prstGeom prst="rect">
             <a:avLst/>
@@ -4139,23 +4455,27 @@
           <a:lstStyle/>
           <a:p>
             <a:r>
-              <a:rPr lang="en-US" altLang="ko-KR" dirty="0" err="1" smtClean="0"/>
-              <a:t>Git</a:t>
-            </a:r>
-            <a:endParaRPr lang="ko-KR" altLang="en-US" dirty="0"/>
-          </a:p>
-        </p:txBody>
-      </p:sp>
-      <p:sp>
-        <p:nvSpPr>
-          <p:cNvPr id="3" name="TextBox 2"/>
+              <a:rPr lang="en-US" altLang="ko-KR" dirty="0" smtClean="0"/>
+              <a:t>2. </a:t>
+            </a:r>
+            <a:r>
+              <a:rPr lang="ko-KR" altLang="en-US" dirty="0" smtClean="0"/>
+              <a:t>소프트웨어 제작</a:t>
+            </a:r>
+            <a:endParaRPr lang="en-US" altLang="ko-KR" dirty="0" smtClean="0"/>
+          </a:p>
+        </p:txBody>
+      </p:sp>
+      <p:sp>
+        <p:nvSpPr>
+          <p:cNvPr id="4" name="TextBox 3"/>
           <p:cNvSpPr txBox="1"/>
           <p:nvPr/>
         </p:nvSpPr>
         <p:spPr>
           <a:xfrm>
-            <a:off x="1619672" y="2780928"/>
-            <a:ext cx="6984776" cy="369332"/>
+            <a:off x="899592" y="1700808"/>
+            <a:ext cx="3816424" cy="646331"/>
           </a:xfrm>
           <a:prstGeom prst="rect">
             <a:avLst/>
@@ -4169,16 +4489,20 @@
           <a:lstStyle/>
           <a:p>
             <a:r>
-              <a:rPr lang="en-US" altLang="ko-KR" dirty="0" err="1" smtClean="0"/>
-              <a:t>Git</a:t>
-            </a:r>
-            <a:r>
-              <a:rPr lang="en-US" altLang="ko-KR" dirty="0" smtClean="0"/>
-              <a:t> </a:t>
+              <a:rPr lang="ko-KR" altLang="en-US" dirty="0" err="1" smtClean="0"/>
+              <a:t>앱</a:t>
             </a:r>
             <a:r>
               <a:rPr lang="ko-KR" altLang="en-US" dirty="0" smtClean="0"/>
-              <a:t>사진을 한 장 넣음</a:t>
+              <a:t> 하고 </a:t>
+            </a:r>
+            <a:r>
+              <a:rPr lang="ko-KR" altLang="en-US" dirty="0" err="1" smtClean="0"/>
+              <a:t>앱에서</a:t>
+            </a:r>
+            <a:r>
+              <a:rPr lang="ko-KR" altLang="en-US" dirty="0" smtClean="0"/>
+              <a:t> 불빛의 색을 바꿀 수 있다는 것을 표현</a:t>
             </a:r>
             <a:endParaRPr lang="ko-KR" altLang="en-US" dirty="0"/>
           </a:p>
@@ -4222,8 +4546,8 @@
         </p:nvSpPr>
         <p:spPr>
           <a:xfrm>
-            <a:off x="611560" y="476672"/>
-            <a:ext cx="5832648" cy="369332"/>
+            <a:off x="2411760" y="1484784"/>
+            <a:ext cx="4176464" cy="369332"/>
           </a:xfrm>
           <a:prstGeom prst="rect">
             <a:avLst/>
@@ -4237,9 +4561,10 @@
           <a:lstStyle/>
           <a:p>
             <a:r>
-              <a:rPr lang="en-US" altLang="ko-KR" dirty="0" smtClean="0"/>
-              <a:t>Version</a:t>
-            </a:r>
+              <a:rPr lang="en-US" altLang="ko-KR" dirty="0" err="1" smtClean="0"/>
+              <a:t>Git</a:t>
+            </a:r>
+            <a:endParaRPr lang="ko-KR" altLang="en-US" dirty="0"/>
           </a:p>
         </p:txBody>
       </p:sp>
@@ -4251,8 +4576,8 @@
         </p:nvSpPr>
         <p:spPr>
           <a:xfrm>
-            <a:off x="611560" y="4581128"/>
-            <a:ext cx="4968552" cy="369332"/>
+            <a:off x="1619672" y="2780928"/>
+            <a:ext cx="6984776" cy="369332"/>
           </a:xfrm>
           <a:prstGeom prst="rect">
             <a:avLst/>
@@ -4266,68 +4591,16 @@
           <a:lstStyle/>
           <a:p>
             <a:r>
+              <a:rPr lang="en-US" altLang="ko-KR" dirty="0" err="1" smtClean="0"/>
+              <a:t>Git</a:t>
+            </a:r>
+            <a:r>
+              <a:rPr lang="en-US" altLang="ko-KR" dirty="0" smtClean="0"/>
+              <a:t> </a:t>
+            </a:r>
+            <a:r>
               <a:rPr lang="ko-KR" altLang="en-US" dirty="0" smtClean="0"/>
-              <a:t>아이</a:t>
-            </a:r>
-            <a:endParaRPr lang="ko-KR" altLang="en-US" dirty="0"/>
-          </a:p>
-        </p:txBody>
-      </p:sp>
-      <p:sp>
-        <p:nvSpPr>
-          <p:cNvPr id="4" name="TextBox 3"/>
-          <p:cNvSpPr txBox="1"/>
-          <p:nvPr/>
-        </p:nvSpPr>
-        <p:spPr>
-          <a:xfrm>
-            <a:off x="3275856" y="4581128"/>
-            <a:ext cx="1656184" cy="369332"/>
-          </a:xfrm>
-          <a:prstGeom prst="rect">
-            <a:avLst/>
-          </a:prstGeom>
-          <a:noFill/>
-        </p:spPr>
-        <p:txBody>
-          <a:bodyPr wrap="square" rtlCol="0">
-            <a:spAutoFit/>
-          </a:bodyPr>
-          <a:lstStyle/>
-          <a:p>
-            <a:r>
-              <a:rPr lang="ko-KR" altLang="en-US" dirty="0" err="1" smtClean="0"/>
-              <a:t>레고</a:t>
-            </a:r>
-            <a:endParaRPr lang="ko-KR" altLang="en-US" dirty="0"/>
-          </a:p>
-        </p:txBody>
-      </p:sp>
-      <p:sp>
-        <p:nvSpPr>
-          <p:cNvPr id="5" name="TextBox 4"/>
-          <p:cNvSpPr txBox="1"/>
-          <p:nvPr/>
-        </p:nvSpPr>
-        <p:spPr>
-          <a:xfrm>
-            <a:off x="6516216" y="4581128"/>
-            <a:ext cx="1728192" cy="369332"/>
-          </a:xfrm>
-          <a:prstGeom prst="rect">
-            <a:avLst/>
-          </a:prstGeom>
-          <a:noFill/>
-        </p:spPr>
-        <p:txBody>
-          <a:bodyPr wrap="square" rtlCol="0">
-            <a:spAutoFit/>
-          </a:bodyPr>
-          <a:lstStyle/>
-          <a:p>
-            <a:r>
-              <a:rPr lang="ko-KR" altLang="en-US" dirty="0" smtClean="0"/>
-              <a:t>동양의 미</a:t>
+              <a:t>사진을 한 장 넣음</a:t>
             </a:r>
             <a:endParaRPr lang="ko-KR" altLang="en-US" dirty="0"/>
           </a:p>
@@ -4371,8 +4644,8 @@
         </p:nvSpPr>
         <p:spPr>
           <a:xfrm>
-            <a:off x="1475656" y="1628800"/>
-            <a:ext cx="6912768" cy="369332"/>
+            <a:off x="611560" y="476672"/>
+            <a:ext cx="5832648" cy="369332"/>
           </a:xfrm>
           <a:prstGeom prst="rect">
             <a:avLst/>
@@ -4387,7 +4660,96 @@
           <a:p>
             <a:r>
               <a:rPr lang="en-US" altLang="ko-KR" dirty="0" smtClean="0"/>
-              <a:t>Q&amp;A</a:t>
+              <a:t>Version</a:t>
+            </a:r>
+          </a:p>
+        </p:txBody>
+      </p:sp>
+      <p:sp>
+        <p:nvSpPr>
+          <p:cNvPr id="3" name="TextBox 2"/>
+          <p:cNvSpPr txBox="1"/>
+          <p:nvPr/>
+        </p:nvSpPr>
+        <p:spPr>
+          <a:xfrm>
+            <a:off x="611560" y="4581128"/>
+            <a:ext cx="4968552" cy="369332"/>
+          </a:xfrm>
+          <a:prstGeom prst="rect">
+            <a:avLst/>
+          </a:prstGeom>
+          <a:noFill/>
+        </p:spPr>
+        <p:txBody>
+          <a:bodyPr wrap="square" rtlCol="0">
+            <a:spAutoFit/>
+          </a:bodyPr>
+          <a:lstStyle/>
+          <a:p>
+            <a:r>
+              <a:rPr lang="ko-KR" altLang="en-US" dirty="0" smtClean="0"/>
+              <a:t>아이</a:t>
+            </a:r>
+            <a:endParaRPr lang="ko-KR" altLang="en-US" dirty="0"/>
+          </a:p>
+        </p:txBody>
+      </p:sp>
+      <p:sp>
+        <p:nvSpPr>
+          <p:cNvPr id="4" name="TextBox 3"/>
+          <p:cNvSpPr txBox="1"/>
+          <p:nvPr/>
+        </p:nvSpPr>
+        <p:spPr>
+          <a:xfrm>
+            <a:off x="3275856" y="4581128"/>
+            <a:ext cx="1656184" cy="369332"/>
+          </a:xfrm>
+          <a:prstGeom prst="rect">
+            <a:avLst/>
+          </a:prstGeom>
+          <a:noFill/>
+        </p:spPr>
+        <p:txBody>
+          <a:bodyPr wrap="square" rtlCol="0">
+            <a:spAutoFit/>
+          </a:bodyPr>
+          <a:lstStyle/>
+          <a:p>
+            <a:r>
+              <a:rPr lang="ko-KR" altLang="en-US" dirty="0" err="1" smtClean="0"/>
+              <a:t>레고</a:t>
+            </a:r>
+            <a:endParaRPr lang="ko-KR" altLang="en-US" dirty="0"/>
+          </a:p>
+        </p:txBody>
+      </p:sp>
+      <p:sp>
+        <p:nvSpPr>
+          <p:cNvPr id="5" name="TextBox 4"/>
+          <p:cNvSpPr txBox="1"/>
+          <p:nvPr/>
+        </p:nvSpPr>
+        <p:spPr>
+          <a:xfrm>
+            <a:off x="6516216" y="4581128"/>
+            <a:ext cx="1728192" cy="369332"/>
+          </a:xfrm>
+          <a:prstGeom prst="rect">
+            <a:avLst/>
+          </a:prstGeom>
+          <a:noFill/>
+        </p:spPr>
+        <p:txBody>
+          <a:bodyPr wrap="square" rtlCol="0">
+            <a:spAutoFit/>
+          </a:bodyPr>
+          <a:lstStyle/>
+          <a:p>
+            <a:r>
+              <a:rPr lang="ko-KR" altLang="en-US" dirty="0" smtClean="0"/>
+              <a:t>동양의 미</a:t>
             </a:r>
             <a:endParaRPr lang="ko-KR" altLang="en-US" dirty="0"/>
           </a:p>
@@ -4431,8 +4793,8 @@
         </p:nvSpPr>
         <p:spPr>
           <a:xfrm>
-            <a:off x="2339752" y="1700808"/>
-            <a:ext cx="5688632" cy="369332"/>
+            <a:off x="1475656" y="1628800"/>
+            <a:ext cx="6912768" cy="369332"/>
           </a:xfrm>
           <a:prstGeom prst="rect">
             <a:avLst/>
@@ -4447,8 +4809,9 @@
           <a:p>
             <a:r>
               <a:rPr lang="en-US" altLang="ko-KR" dirty="0" smtClean="0"/>
-              <a:t>Thanks</a:t>
-            </a:r>
+              <a:t>Q&amp;A</a:t>
+            </a:r>
+            <a:endParaRPr lang="ko-KR" altLang="en-US" dirty="0"/>
           </a:p>
         </p:txBody>
       </p:sp>
